--- a/Battle City.pptx
+++ b/Battle City.pptx
@@ -7,17 +7,20 @@
   <p:sldIdLst>
     <p:sldId id="256" r:id="rId2"/>
     <p:sldId id="257" r:id="rId3"/>
-    <p:sldId id="258" r:id="rId4"/>
-    <p:sldId id="264" r:id="rId5"/>
-    <p:sldId id="259" r:id="rId6"/>
-    <p:sldId id="260" r:id="rId7"/>
-    <p:sldId id="261" r:id="rId8"/>
-    <p:sldId id="263" r:id="rId9"/>
-    <p:sldId id="262" r:id="rId10"/>
-    <p:sldId id="268" r:id="rId11"/>
-    <p:sldId id="265" r:id="rId12"/>
-    <p:sldId id="266" r:id="rId13"/>
-    <p:sldId id="267" r:id="rId14"/>
+    <p:sldId id="271" r:id="rId4"/>
+    <p:sldId id="258" r:id="rId5"/>
+    <p:sldId id="264" r:id="rId6"/>
+    <p:sldId id="259" r:id="rId7"/>
+    <p:sldId id="260" r:id="rId8"/>
+    <p:sldId id="261" r:id="rId9"/>
+    <p:sldId id="263" r:id="rId10"/>
+    <p:sldId id="262" r:id="rId11"/>
+    <p:sldId id="268" r:id="rId12"/>
+    <p:sldId id="265" r:id="rId13"/>
+    <p:sldId id="266" r:id="rId14"/>
+    <p:sldId id="267" r:id="rId15"/>
+    <p:sldId id="270" r:id="rId16"/>
+    <p:sldId id="269" r:id="rId17"/>
   </p:sldIdLst>
   <p:sldSz cx="12192000" cy="6858000"/>
   <p:notesSz cx="6858000" cy="9144000"/>
@@ -123,6 +126,7 @@
           <p14:sldIdLst>
             <p14:sldId id="256"/>
             <p14:sldId id="257"/>
+            <p14:sldId id="271"/>
             <p14:sldId id="258"/>
             <p14:sldId id="264"/>
             <p14:sldId id="259"/>
@@ -134,6 +138,8 @@
             <p14:sldId id="265"/>
             <p14:sldId id="266"/>
             <p14:sldId id="267"/>
+            <p14:sldId id="270"/>
+            <p14:sldId id="269"/>
           </p14:sldIdLst>
         </p14:section>
         <p14:section name="Раздел без заголовка" id="{FE88F911-FF8B-4178-B23C-ECC133A2D091}">
@@ -3430,11 +3436,37 @@
             <p:ph type="subTitle" idx="1"/>
           </p:nvPr>
         </p:nvSpPr>
-        <p:spPr/>
-        <p:txBody>
-          <a:bodyPr/>
-          <a:lstStyle/>
-          <a:p>
+        <p:spPr>
+          <a:xfrm>
+            <a:off x="5726097" y="5298335"/>
+            <a:ext cx="6036815" cy="437302"/>
+          </a:xfrm>
+        </p:spPr>
+        <p:txBody>
+          <a:bodyPr/>
+          <a:lstStyle/>
+          <a:p>
+            <a:pPr algn="r"/>
+            <a:r>
+              <a:rPr lang="ru-RU" dirty="0"/>
+              <a:t>Выполнили</a:t>
+            </a:r>
+            <a:r>
+              <a:rPr lang="en-US" dirty="0"/>
+              <a:t>:</a:t>
+            </a:r>
+            <a:r>
+              <a:rPr lang="ru-RU" dirty="0"/>
+              <a:t> Балаева Елена, </a:t>
+            </a:r>
+            <a:r>
+              <a:rPr lang="ru-RU" dirty="0" err="1"/>
+              <a:t>Нелаева</a:t>
+            </a:r>
+            <a:r>
+              <a:rPr lang="ru-RU" dirty="0"/>
+              <a:t> Мария</a:t>
+            </a:r>
             <a:endParaRPr lang="en-US" dirty="0"/>
           </a:p>
         </p:txBody>
@@ -3453,6 +3485,105 @@
 </file>
 
 <file path=ppt/slides/slide10.xml><?xml version="1.0" encoding="utf-8"?>
+<p:sld xmlns:a="http://schemas.openxmlformats.org/drawingml/2006/main" xmlns:r="http://schemas.openxmlformats.org/officeDocument/2006/relationships" xmlns:p="http://schemas.openxmlformats.org/presentationml/2006/main">
+  <p:cSld>
+    <p:spTree>
+      <p:nvGrpSpPr>
+        <p:cNvPr id="1" name=""/>
+        <p:cNvGrpSpPr/>
+        <p:nvPr/>
+      </p:nvGrpSpPr>
+      <p:grpSpPr>
+        <a:xfrm>
+          <a:off x="0" y="0"/>
+          <a:ext cx="0" cy="0"/>
+          <a:chOff x="0" y="0"/>
+          <a:chExt cx="0" cy="0"/>
+        </a:xfrm>
+      </p:grpSpPr>
+      <p:sp>
+        <p:nvSpPr>
+          <p:cNvPr id="2" name="Заголовок 1">
+            <a:extLst>
+              <a:ext uri="{FF2B5EF4-FFF2-40B4-BE49-F238E27FC236}">
+                <a16:creationId xmlns:a16="http://schemas.microsoft.com/office/drawing/2014/main" id="{3FD458F7-FCA2-4E6C-8609-8B7FEB0DB547}"/>
+              </a:ext>
+            </a:extLst>
+          </p:cNvPr>
+          <p:cNvSpPr>
+            <a:spLocks noGrp="1"/>
+          </p:cNvSpPr>
+          <p:nvPr>
+            <p:ph type="title"/>
+          </p:nvPr>
+        </p:nvSpPr>
+        <p:spPr>
+          <a:xfrm>
+            <a:off x="838200" y="249717"/>
+            <a:ext cx="6991905" cy="1002036"/>
+          </a:xfrm>
+        </p:spPr>
+        <p:txBody>
+          <a:bodyPr/>
+          <a:lstStyle/>
+          <a:p>
+            <a:r>
+              <a:rPr lang="ru-RU" dirty="0"/>
+              <a:t>Движение танков</a:t>
+            </a:r>
+            <a:endParaRPr lang="en-US" dirty="0"/>
+          </a:p>
+        </p:txBody>
+      </p:sp>
+      <p:pic>
+        <p:nvPicPr>
+          <p:cNvPr id="5" name="Объект 4">
+            <a:extLst>
+              <a:ext uri="{FF2B5EF4-FFF2-40B4-BE49-F238E27FC236}">
+                <a16:creationId xmlns:a16="http://schemas.microsoft.com/office/drawing/2014/main" id="{CD2B8CD9-42D2-47CF-3ACA-CB7376ED9012}"/>
+              </a:ext>
+            </a:extLst>
+          </p:cNvPr>
+          <p:cNvPicPr>
+            <a:picLocks noGrp="1" noChangeAspect="1"/>
+          </p:cNvPicPr>
+          <p:nvPr>
+            <p:ph idx="1"/>
+          </p:nvPr>
+        </p:nvPicPr>
+        <p:blipFill>
+          <a:blip r:embed="rId2">
+            <a:extLst>
+              <a:ext uri="{28A0092B-C50C-407E-A947-70E740481C1C}">
+                <a14:useLocalDpi xmlns:a14="http://schemas.microsoft.com/office/drawing/2010/main" val="0"/>
+              </a:ext>
+            </a:extLst>
+          </a:blip>
+          <a:stretch>
+            <a:fillRect/>
+          </a:stretch>
+        </p:blipFill>
+        <p:spPr>
+          <a:xfrm>
+            <a:off x="838200" y="1594128"/>
+            <a:ext cx="6173602" cy="5014155"/>
+          </a:xfrm>
+        </p:spPr>
+      </p:pic>
+    </p:spTree>
+    <p:extLst>
+      <p:ext uri="{BB962C8B-B14F-4D97-AF65-F5344CB8AC3E}">
+        <p14:creationId xmlns:p14="http://schemas.microsoft.com/office/powerpoint/2010/main" val="2837568768"/>
+      </p:ext>
+    </p:extLst>
+  </p:cSld>
+  <p:clrMapOvr>
+    <a:masterClrMapping/>
+  </p:clrMapOvr>
+</p:sld>
+</file>
+
+<file path=ppt/slides/slide11.xml><?xml version="1.0" encoding="utf-8"?>
 <p:sld xmlns:a="http://schemas.openxmlformats.org/drawingml/2006/main" xmlns:r="http://schemas.openxmlformats.org/officeDocument/2006/relationships" xmlns:p="http://schemas.openxmlformats.org/presentationml/2006/main">
   <p:cSld>
     <p:spTree>
@@ -3570,7 +3701,7 @@
 </p:sld>
 </file>
 
-<file path=ppt/slides/slide11.xml><?xml version="1.0" encoding="utf-8"?>
+<file path=ppt/slides/slide12.xml><?xml version="1.0" encoding="utf-8"?>
 <p:sld xmlns:a="http://schemas.openxmlformats.org/drawingml/2006/main" xmlns:r="http://schemas.openxmlformats.org/officeDocument/2006/relationships" xmlns:p="http://schemas.openxmlformats.org/presentationml/2006/main">
   <p:cSld>
     <p:spTree>
@@ -3693,7 +3824,7 @@
 </p:sld>
 </file>
 
-<file path=ppt/slides/slide12.xml><?xml version="1.0" encoding="utf-8"?>
+<file path=ppt/slides/slide13.xml><?xml version="1.0" encoding="utf-8"?>
 <p:sld xmlns:a="http://schemas.openxmlformats.org/drawingml/2006/main" xmlns:r="http://schemas.openxmlformats.org/officeDocument/2006/relationships" xmlns:p="http://schemas.openxmlformats.org/presentationml/2006/main">
   <p:cSld>
     <p:spTree>
@@ -3791,7 +3922,7 @@
 </p:sld>
 </file>
 
-<file path=ppt/slides/slide13.xml><?xml version="1.0" encoding="utf-8"?>
+<file path=ppt/slides/slide14.xml><?xml version="1.0" encoding="utf-8"?>
 <p:sld xmlns:a="http://schemas.openxmlformats.org/drawingml/2006/main" xmlns:r="http://schemas.openxmlformats.org/officeDocument/2006/relationships" xmlns:p="http://schemas.openxmlformats.org/presentationml/2006/main">
   <p:cSld>
     <p:spTree>
@@ -3961,10 +4092,13 @@
           <a:p>
             <a:pPr marL="687600" lvl="2"/>
             <a:r>
-              <a:rPr lang="en-US" sz="2400" dirty="0" err="1"/>
-              <a:t>hjjnkj</a:t>
-            </a:r>
-            <a:endParaRPr lang="en-US" sz="2400" dirty="0"/>
+              <a:rPr lang="ru-RU" sz="2400" dirty="0"/>
+              <a:t>переменные </a:t>
+            </a:r>
+            <a:r>
+              <a:rPr lang="en-US" sz="2400" dirty="0"/>
+              <a:t>spawn_delay1, spawn_delay2, status</a:t>
+            </a:r>
           </a:p>
         </p:txBody>
       </p:sp>
@@ -3972,6 +4106,183 @@
     <p:extLst>
       <p:ext uri="{BB962C8B-B14F-4D97-AF65-F5344CB8AC3E}">
         <p14:creationId xmlns:p14="http://schemas.microsoft.com/office/powerpoint/2010/main" val="2695814725"/>
+      </p:ext>
+    </p:extLst>
+  </p:cSld>
+  <p:clrMapOvr>
+    <a:masterClrMapping/>
+  </p:clrMapOvr>
+</p:sld>
+</file>
+
+<file path=ppt/slides/slide15.xml><?xml version="1.0" encoding="utf-8"?>
+<p:sld xmlns:a="http://schemas.openxmlformats.org/drawingml/2006/main" xmlns:r="http://schemas.openxmlformats.org/officeDocument/2006/relationships" xmlns:p="http://schemas.openxmlformats.org/presentationml/2006/main">
+  <p:cSld>
+    <p:spTree>
+      <p:nvGrpSpPr>
+        <p:cNvPr id="1" name=""/>
+        <p:cNvGrpSpPr/>
+        <p:nvPr/>
+      </p:nvGrpSpPr>
+      <p:grpSpPr>
+        <a:xfrm>
+          <a:off x="0" y="0"/>
+          <a:ext cx="0" cy="0"/>
+          <a:chOff x="0" y="0"/>
+          <a:chExt cx="0" cy="0"/>
+        </a:xfrm>
+      </p:grpSpPr>
+      <p:sp>
+        <p:nvSpPr>
+          <p:cNvPr id="2" name="Заголовок 1">
+            <a:extLst>
+              <a:ext uri="{FF2B5EF4-FFF2-40B4-BE49-F238E27FC236}">
+                <a16:creationId xmlns:a16="http://schemas.microsoft.com/office/drawing/2014/main" id="{455AF7FC-953C-E0DB-AF92-E0851D967BF3}"/>
+              </a:ext>
+            </a:extLst>
+          </p:cNvPr>
+          <p:cNvSpPr>
+            <a:spLocks noGrp="1"/>
+          </p:cNvSpPr>
+          <p:nvPr>
+            <p:ph type="title"/>
+          </p:nvPr>
+        </p:nvSpPr>
+        <p:spPr/>
+        <p:txBody>
+          <a:bodyPr/>
+          <a:lstStyle/>
+          <a:p>
+            <a:pPr algn="ctr"/>
+            <a:r>
+              <a:rPr lang="ru-RU" dirty="0"/>
+              <a:t>Лед</a:t>
+            </a:r>
+            <a:endParaRPr lang="en-US" dirty="0"/>
+          </a:p>
+        </p:txBody>
+      </p:sp>
+      <p:pic>
+        <p:nvPicPr>
+          <p:cNvPr id="5" name="Объект 4">
+            <a:extLst>
+              <a:ext uri="{FF2B5EF4-FFF2-40B4-BE49-F238E27FC236}">
+                <a16:creationId xmlns:a16="http://schemas.microsoft.com/office/drawing/2014/main" id="{5E79FC74-C3C7-1E7C-95A1-019E9E5C2105}"/>
+              </a:ext>
+            </a:extLst>
+          </p:cNvPr>
+          <p:cNvPicPr>
+            <a:picLocks noGrp="1" noChangeAspect="1"/>
+          </p:cNvPicPr>
+          <p:nvPr>
+            <p:ph idx="1"/>
+          </p:nvPr>
+        </p:nvPicPr>
+        <p:blipFill>
+          <a:blip r:embed="rId2"/>
+          <a:stretch>
+            <a:fillRect/>
+          </a:stretch>
+        </p:blipFill>
+        <p:spPr>
+          <a:xfrm>
+            <a:off x="1952625" y="2334419"/>
+            <a:ext cx="8286750" cy="3333750"/>
+          </a:xfrm>
+        </p:spPr>
+      </p:pic>
+    </p:spTree>
+    <p:extLst>
+      <p:ext uri="{BB962C8B-B14F-4D97-AF65-F5344CB8AC3E}">
+        <p14:creationId xmlns:p14="http://schemas.microsoft.com/office/powerpoint/2010/main" val="3560854405"/>
+      </p:ext>
+    </p:extLst>
+  </p:cSld>
+  <p:clrMapOvr>
+    <a:masterClrMapping/>
+  </p:clrMapOvr>
+</p:sld>
+</file>
+
+<file path=ppt/slides/slide16.xml><?xml version="1.0" encoding="utf-8"?>
+<p:sld xmlns:a="http://schemas.openxmlformats.org/drawingml/2006/main" xmlns:r="http://schemas.openxmlformats.org/officeDocument/2006/relationships" xmlns:p="http://schemas.openxmlformats.org/presentationml/2006/main">
+  <p:cSld>
+    <p:spTree>
+      <p:nvGrpSpPr>
+        <p:cNvPr id="1" name=""/>
+        <p:cNvGrpSpPr/>
+        <p:nvPr/>
+      </p:nvGrpSpPr>
+      <p:grpSpPr>
+        <a:xfrm>
+          <a:off x="0" y="0"/>
+          <a:ext cx="0" cy="0"/>
+          <a:chOff x="0" y="0"/>
+          <a:chExt cx="0" cy="0"/>
+        </a:xfrm>
+      </p:grpSpPr>
+      <p:sp>
+        <p:nvSpPr>
+          <p:cNvPr id="2" name="Заголовок 1">
+            <a:extLst>
+              <a:ext uri="{FF2B5EF4-FFF2-40B4-BE49-F238E27FC236}">
+                <a16:creationId xmlns:a16="http://schemas.microsoft.com/office/drawing/2014/main" id="{5A5AFFAD-5121-4E0D-5F10-1690A7D9160B}"/>
+              </a:ext>
+            </a:extLst>
+          </p:cNvPr>
+          <p:cNvSpPr>
+            <a:spLocks noGrp="1"/>
+          </p:cNvSpPr>
+          <p:nvPr>
+            <p:ph type="title"/>
+          </p:nvPr>
+        </p:nvSpPr>
+        <p:spPr/>
+        <p:txBody>
+          <a:bodyPr/>
+          <a:lstStyle/>
+          <a:p>
+            <a:r>
+              <a:rPr lang="ru-RU" dirty="0"/>
+              <a:t>Визуальный поворот</a:t>
+            </a:r>
+            <a:endParaRPr lang="en-US" dirty="0"/>
+          </a:p>
+        </p:txBody>
+      </p:sp>
+      <p:pic>
+        <p:nvPicPr>
+          <p:cNvPr id="5" name="Объект 4">
+            <a:extLst>
+              <a:ext uri="{FF2B5EF4-FFF2-40B4-BE49-F238E27FC236}">
+                <a16:creationId xmlns:a16="http://schemas.microsoft.com/office/drawing/2014/main" id="{BC19A2BC-1379-6D00-FC17-03E849836445}"/>
+              </a:ext>
+            </a:extLst>
+          </p:cNvPr>
+          <p:cNvPicPr>
+            <a:picLocks noGrp="1" noChangeAspect="1"/>
+          </p:cNvPicPr>
+          <p:nvPr>
+            <p:ph idx="1"/>
+          </p:nvPr>
+        </p:nvPicPr>
+        <p:blipFill>
+          <a:blip r:embed="rId2"/>
+          <a:stretch>
+            <a:fillRect/>
+          </a:stretch>
+        </p:blipFill>
+        <p:spPr>
+          <a:xfrm>
+            <a:off x="838200" y="2052637"/>
+            <a:ext cx="6381750" cy="2752725"/>
+          </a:xfrm>
+        </p:spPr>
+      </p:pic>
+    </p:spTree>
+    <p:extLst>
+      <p:ext uri="{BB962C8B-B14F-4D97-AF65-F5344CB8AC3E}">
+        <p14:creationId xmlns:p14="http://schemas.microsoft.com/office/powerpoint/2010/main" val="1334349551"/>
       </p:ext>
     </p:extLst>
   </p:cSld>
@@ -4196,81 +4507,39 @@
           <a:chExt cx="0" cy="0"/>
         </a:xfrm>
       </p:grpSpPr>
-      <p:sp>
-        <p:nvSpPr>
-          <p:cNvPr id="2" name="Заголовок 1">
-            <a:extLst>
-              <a:ext uri="{FF2B5EF4-FFF2-40B4-BE49-F238E27FC236}">
-                <a16:creationId xmlns:a16="http://schemas.microsoft.com/office/drawing/2014/main" id="{94F1E73E-2D50-15CD-0247-0997C4D4D11D}"/>
-              </a:ext>
-            </a:extLst>
-          </p:cNvPr>
-          <p:cNvSpPr>
-            <a:spLocks noGrp="1"/>
-          </p:cNvSpPr>
-          <p:nvPr>
-            <p:ph type="title"/>
-          </p:nvPr>
-        </p:nvSpPr>
-        <p:spPr/>
-        <p:txBody>
-          <a:bodyPr/>
-          <a:lstStyle/>
-          <a:p>
-            <a:r>
-              <a:rPr lang="ru-RU" dirty="0"/>
-              <a:t>Используемые библиотеки</a:t>
-            </a:r>
-            <a:endParaRPr lang="en-US" dirty="0"/>
-          </a:p>
-        </p:txBody>
-      </p:sp>
-      <p:sp>
-        <p:nvSpPr>
-          <p:cNvPr id="9" name="Объект 8">
-            <a:extLst>
-              <a:ext uri="{FF2B5EF4-FFF2-40B4-BE49-F238E27FC236}">
-                <a16:creationId xmlns:a16="http://schemas.microsoft.com/office/drawing/2014/main" id="{82084A69-31F6-A347-E626-1314960AC560}"/>
-              </a:ext>
-            </a:extLst>
-          </p:cNvPr>
-          <p:cNvSpPr>
-            <a:spLocks noGrp="1"/>
-          </p:cNvSpPr>
+      <p:pic>
+        <p:nvPicPr>
+          <p:cNvPr id="5" name="Объект 4">
+            <a:extLst>
+              <a:ext uri="{FF2B5EF4-FFF2-40B4-BE49-F238E27FC236}">
+                <a16:creationId xmlns:a16="http://schemas.microsoft.com/office/drawing/2014/main" id="{79AFC69F-9348-5755-FAFE-B3696D7C6EEE}"/>
+              </a:ext>
+            </a:extLst>
+          </p:cNvPr>
+          <p:cNvPicPr>
+            <a:picLocks noGrp="1" noChangeAspect="1"/>
+          </p:cNvPicPr>
           <p:nvPr>
             <p:ph idx="1"/>
           </p:nvPr>
-        </p:nvSpPr>
-        <p:spPr/>
-        <p:txBody>
-          <a:bodyPr/>
-          <a:lstStyle/>
-          <a:p>
-            <a:r>
-              <a:rPr lang="en-US" dirty="0" err="1"/>
-              <a:t>pygame</a:t>
-            </a:r>
-            <a:endParaRPr lang="en-US" dirty="0"/>
-          </a:p>
-          <a:p>
-            <a:r>
-              <a:rPr lang="en-US" dirty="0" err="1"/>
-              <a:t>os</a:t>
-            </a:r>
-            <a:endParaRPr lang="en-US" dirty="0"/>
-          </a:p>
-          <a:p>
-            <a:r>
-              <a:rPr lang="en-US" dirty="0"/>
-              <a:t>sys</a:t>
-            </a:r>
-          </a:p>
-        </p:txBody>
-      </p:sp>
+        </p:nvPicPr>
+        <p:blipFill>
+          <a:blip r:embed="rId2"/>
+          <a:stretch>
+            <a:fillRect/>
+          </a:stretch>
+        </p:blipFill>
+        <p:spPr>
+          <a:xfrm>
+            <a:off x="651560" y="619217"/>
+            <a:ext cx="10888880" cy="5619565"/>
+          </a:xfrm>
+        </p:spPr>
+      </p:pic>
     </p:spTree>
     <p:extLst>
       <p:ext uri="{BB962C8B-B14F-4D97-AF65-F5344CB8AC3E}">
-        <p14:creationId xmlns:p14="http://schemas.microsoft.com/office/powerpoint/2010/main" val="3578156163"/>
+        <p14:creationId xmlns:p14="http://schemas.microsoft.com/office/powerpoint/2010/main" val="3440189059"/>
       </p:ext>
     </p:extLst>
   </p:cSld>
@@ -4302,7 +4571,7 @@
           <p:cNvPr id="2" name="Заголовок 1">
             <a:extLst>
               <a:ext uri="{FF2B5EF4-FFF2-40B4-BE49-F238E27FC236}">
-                <a16:creationId xmlns:a16="http://schemas.microsoft.com/office/drawing/2014/main" id="{A4D6D7A0-A1F0-862F-AD77-40E68B7FE7C9}"/>
+                <a16:creationId xmlns:a16="http://schemas.microsoft.com/office/drawing/2014/main" id="{94F1E73E-2D50-15CD-0247-0997C4D4D11D}"/>
               </a:ext>
             </a:extLst>
           </p:cNvPr>
@@ -4320,7 +4589,7 @@
           <a:p>
             <a:r>
               <a:rPr lang="ru-RU" dirty="0"/>
-              <a:t>Уровень игры</a:t>
+              <a:t>Используемые библиотеки</a:t>
             </a:r>
             <a:endParaRPr lang="en-US" dirty="0"/>
           </a:p>
@@ -4328,10 +4597,10 @@
       </p:sp>
       <p:sp>
         <p:nvSpPr>
-          <p:cNvPr id="3" name="Объект 2">
-            <a:extLst>
-              <a:ext uri="{FF2B5EF4-FFF2-40B4-BE49-F238E27FC236}">
-                <a16:creationId xmlns:a16="http://schemas.microsoft.com/office/drawing/2014/main" id="{2DB8D73D-0794-AAD4-C10B-09209DF67554}"/>
+          <p:cNvPr id="9" name="Объект 8">
+            <a:extLst>
+              <a:ext uri="{FF2B5EF4-FFF2-40B4-BE49-F238E27FC236}">
+                <a16:creationId xmlns:a16="http://schemas.microsoft.com/office/drawing/2014/main" id="{82084A69-31F6-A347-E626-1314960AC560}"/>
               </a:ext>
             </a:extLst>
           </p:cNvPr>
@@ -4348,90 +4617,30 @@
           <a:lstStyle/>
           <a:p>
             <a:r>
-              <a:rPr lang="ru-RU" dirty="0"/>
-              <a:t>Карта уровня хранится в </a:t>
-            </a:r>
-            <a:r>
-              <a:rPr lang="en-US" sz="2800" dirty="0"/>
-              <a:t>txt</a:t>
-            </a:r>
-            <a:r>
-              <a:rPr lang="ru-RU" sz="2800" dirty="0"/>
-              <a:t>-файле</a:t>
-            </a:r>
-            <a:r>
-              <a:rPr lang="en-US" sz="2800" dirty="0"/>
-              <a:t>. </a:t>
-            </a:r>
-            <a:r>
-              <a:rPr lang="ru-RU" sz="2800" dirty="0"/>
-              <a:t>На </a:t>
-            </a:r>
-            <a:r>
-              <a:rPr lang="ru-RU" dirty="0"/>
-              <a:t>ней</a:t>
-            </a:r>
-            <a:r>
-              <a:rPr lang="ru-RU" sz="2800" dirty="0"/>
-              <a:t> отмечены блоки</a:t>
-            </a:r>
-            <a:r>
-              <a:rPr lang="en-US" sz="2800" dirty="0"/>
-              <a:t>,</a:t>
-            </a:r>
-            <a:r>
-              <a:rPr lang="ru-RU" sz="2800" dirty="0"/>
-              <a:t> проходы в лабиринте</a:t>
-            </a:r>
-            <a:r>
-              <a:rPr lang="en-US" sz="2800" dirty="0"/>
-              <a:t>,</a:t>
-            </a:r>
-            <a:r>
-              <a:rPr lang="ru-RU" sz="2800" dirty="0"/>
-              <a:t> точки </a:t>
-            </a:r>
-            <a:r>
-              <a:rPr lang="ru-RU" sz="2800" dirty="0" err="1"/>
-              <a:t>спавна</a:t>
-            </a:r>
-            <a:r>
-              <a:rPr lang="ru-RU" sz="2800" dirty="0"/>
-              <a:t> танков и трава</a:t>
-            </a:r>
-            <a:endParaRPr lang="en-US" sz="2800" dirty="0"/>
-          </a:p>
-          <a:p>
-            <a:r>
-              <a:rPr lang="ru-RU" dirty="0"/>
-              <a:t>Игру можно запускать много раз подряд</a:t>
-            </a:r>
+              <a:rPr lang="en-US" dirty="0" err="1"/>
+              <a:t>pygame</a:t>
+            </a:r>
+            <a:endParaRPr lang="en-US" dirty="0"/>
+          </a:p>
+          <a:p>
+            <a:r>
+              <a:rPr lang="en-US" dirty="0" err="1"/>
+              <a:t>os</a:t>
+            </a:r>
+            <a:endParaRPr lang="en-US" dirty="0"/>
+          </a:p>
+          <a:p>
             <a:r>
               <a:rPr lang="en-US" dirty="0"/>
-              <a:t>: </a:t>
-            </a:r>
-            <a:r>
-              <a:rPr lang="ru-RU" dirty="0"/>
-              <a:t>после каждого раунда массивы очищаются, счетчики обнуляются</a:t>
-            </a:r>
-            <a:endParaRPr lang="en-US" dirty="0"/>
-          </a:p>
-          <a:p>
-            <a:r>
-              <a:rPr lang="ru-RU" dirty="0"/>
-              <a:t>Имеется возможность выбора количества каждого вида танков для каждого игрока перед началом игры</a:t>
-            </a:r>
-            <a:endParaRPr lang="en-US" dirty="0"/>
-          </a:p>
-          <a:p>
-            <a:endParaRPr lang="en-US" dirty="0"/>
+              <a:t>sys</a:t>
+            </a:r>
           </a:p>
         </p:txBody>
       </p:sp>
     </p:spTree>
     <p:extLst>
       <p:ext uri="{BB962C8B-B14F-4D97-AF65-F5344CB8AC3E}">
-        <p14:creationId xmlns:p14="http://schemas.microsoft.com/office/powerpoint/2010/main" val="2411103791"/>
+        <p14:creationId xmlns:p14="http://schemas.microsoft.com/office/powerpoint/2010/main" val="3578156163"/>
       </p:ext>
     </p:extLst>
   </p:cSld>
@@ -4463,7 +4672,7 @@
           <p:cNvPr id="2" name="Заголовок 1">
             <a:extLst>
               <a:ext uri="{FF2B5EF4-FFF2-40B4-BE49-F238E27FC236}">
-                <a16:creationId xmlns:a16="http://schemas.microsoft.com/office/drawing/2014/main" id="{FD818B81-3AA0-DE8D-748D-F9218CD7FD15}"/>
+                <a16:creationId xmlns:a16="http://schemas.microsoft.com/office/drawing/2014/main" id="{A4D6D7A0-A1F0-862F-AD77-40E68B7FE7C9}"/>
               </a:ext>
             </a:extLst>
           </p:cNvPr>
@@ -4474,12 +4683,7 @@
             <p:ph type="title"/>
           </p:nvPr>
         </p:nvSpPr>
-        <p:spPr>
-          <a:xfrm>
-            <a:off x="838200" y="365125"/>
-            <a:ext cx="10515600" cy="753461"/>
-          </a:xfrm>
-        </p:spPr>
+        <p:spPr/>
         <p:txBody>
           <a:bodyPr/>
           <a:lstStyle/>
@@ -4492,45 +4696,112 @@
           </a:p>
         </p:txBody>
       </p:sp>
-      <p:pic>
-        <p:nvPicPr>
-          <p:cNvPr id="5" name="Объект 4">
-            <a:extLst>
-              <a:ext uri="{FF2B5EF4-FFF2-40B4-BE49-F238E27FC236}">
-                <a16:creationId xmlns:a16="http://schemas.microsoft.com/office/drawing/2014/main" id="{2C882770-50AD-9087-436D-8AFC2EEA8E50}"/>
-              </a:ext>
-            </a:extLst>
-          </p:cNvPr>
-          <p:cNvPicPr>
-            <a:picLocks noGrp="1" noChangeAspect="1"/>
-          </p:cNvPicPr>
+      <p:sp>
+        <p:nvSpPr>
+          <p:cNvPr id="3" name="Объект 2">
+            <a:extLst>
+              <a:ext uri="{FF2B5EF4-FFF2-40B4-BE49-F238E27FC236}">
+                <a16:creationId xmlns:a16="http://schemas.microsoft.com/office/drawing/2014/main" id="{2DB8D73D-0794-AAD4-C10B-09209DF67554}"/>
+              </a:ext>
+            </a:extLst>
+          </p:cNvPr>
+          <p:cNvSpPr>
+            <a:spLocks noGrp="1"/>
+          </p:cNvSpPr>
           <p:nvPr>
             <p:ph idx="1"/>
           </p:nvPr>
-        </p:nvPicPr>
-        <p:blipFill>
-          <a:blip r:embed="rId2">
-            <a:extLst>
-              <a:ext uri="{28A0092B-C50C-407E-A947-70E740481C1C}">
-                <a14:useLocalDpi xmlns:a14="http://schemas.microsoft.com/office/drawing/2010/main" val="0"/>
-              </a:ext>
-            </a:extLst>
-          </a:blip>
-          <a:stretch>
-            <a:fillRect/>
-          </a:stretch>
-        </p:blipFill>
-        <p:spPr>
-          <a:xfrm>
-            <a:off x="838200" y="1300069"/>
-            <a:ext cx="4967796" cy="5442977"/>
-          </a:xfrm>
-        </p:spPr>
-      </p:pic>
+        </p:nvSpPr>
+        <p:spPr/>
+        <p:txBody>
+          <a:bodyPr/>
+          <a:lstStyle/>
+          <a:p>
+            <a:r>
+              <a:rPr lang="ru-RU" dirty="0"/>
+              <a:t>Карта уровня хранится в </a:t>
+            </a:r>
+            <a:r>
+              <a:rPr lang="en-US" sz="2800" dirty="0"/>
+              <a:t>txt</a:t>
+            </a:r>
+            <a:r>
+              <a:rPr lang="ru-RU" sz="2800" dirty="0"/>
+              <a:t>-файле</a:t>
+            </a:r>
+            <a:r>
+              <a:rPr lang="en-US" sz="2800" dirty="0"/>
+              <a:t>. </a:t>
+            </a:r>
+            <a:r>
+              <a:rPr lang="ru-RU" sz="2800" dirty="0"/>
+              <a:t>На </a:t>
+            </a:r>
+            <a:r>
+              <a:rPr lang="ru-RU" dirty="0"/>
+              <a:t>ней</a:t>
+            </a:r>
+            <a:r>
+              <a:rPr lang="ru-RU" sz="2800" dirty="0"/>
+              <a:t> отмечены блоки</a:t>
+            </a:r>
+            <a:r>
+              <a:rPr lang="en-US" sz="2800" dirty="0"/>
+              <a:t>,</a:t>
+            </a:r>
+            <a:r>
+              <a:rPr lang="ru-RU" sz="2800" dirty="0"/>
+              <a:t> проходы в лабиринте</a:t>
+            </a:r>
+            <a:r>
+              <a:rPr lang="en-US" sz="2800" dirty="0"/>
+              <a:t>,</a:t>
+            </a:r>
+            <a:r>
+              <a:rPr lang="ru-RU" sz="2800" dirty="0"/>
+              <a:t> точки </a:t>
+            </a:r>
+            <a:r>
+              <a:rPr lang="ru-RU" sz="2800" dirty="0" err="1"/>
+              <a:t>спавна</a:t>
+            </a:r>
+            <a:r>
+              <a:rPr lang="ru-RU" sz="2800" dirty="0"/>
+              <a:t> танков и трава</a:t>
+            </a:r>
+            <a:endParaRPr lang="en-US" sz="2800" dirty="0"/>
+          </a:p>
+          <a:p>
+            <a:r>
+              <a:rPr lang="ru-RU" dirty="0"/>
+              <a:t>Игру можно запускать много раз подряд</a:t>
+            </a:r>
+            <a:r>
+              <a:rPr lang="en-US" dirty="0"/>
+              <a:t>: </a:t>
+            </a:r>
+            <a:r>
+              <a:rPr lang="ru-RU" dirty="0"/>
+              <a:t>после каждого раунда массивы очищаются, счетчики обнуляются</a:t>
+            </a:r>
+            <a:endParaRPr lang="en-US" dirty="0"/>
+          </a:p>
+          <a:p>
+            <a:r>
+              <a:rPr lang="ru-RU" dirty="0"/>
+              <a:t>Имеется возможность выбора количества каждого вида танков для каждого игрока перед началом игры</a:t>
+            </a:r>
+            <a:endParaRPr lang="en-US" dirty="0"/>
+          </a:p>
+          <a:p>
+            <a:endParaRPr lang="en-US" dirty="0"/>
+          </a:p>
+        </p:txBody>
+      </p:sp>
     </p:spTree>
     <p:extLst>
       <p:ext uri="{BB962C8B-B14F-4D97-AF65-F5344CB8AC3E}">
-        <p14:creationId xmlns:p14="http://schemas.microsoft.com/office/powerpoint/2010/main" val="3782761661"/>
+        <p14:creationId xmlns:p14="http://schemas.microsoft.com/office/powerpoint/2010/main" val="2411103791"/>
       </p:ext>
     </p:extLst>
   </p:cSld>
@@ -4562,7 +4833,7 @@
           <p:cNvPr id="2" name="Заголовок 1">
             <a:extLst>
               <a:ext uri="{FF2B5EF4-FFF2-40B4-BE49-F238E27FC236}">
-                <a16:creationId xmlns:a16="http://schemas.microsoft.com/office/drawing/2014/main" id="{E5D79B62-71D6-7868-84A1-D5F0A0E3EBDD}"/>
+                <a16:creationId xmlns:a16="http://schemas.microsoft.com/office/drawing/2014/main" id="{FD818B81-3AA0-DE8D-748D-F9218CD7FD15}"/>
               </a:ext>
             </a:extLst>
           </p:cNvPr>
@@ -4573,75 +4844,63 @@
             <p:ph type="title"/>
           </p:nvPr>
         </p:nvSpPr>
-        <p:spPr/>
-        <p:txBody>
-          <a:bodyPr/>
-          <a:lstStyle/>
-          <a:p>
-            <a:r>
-              <a:rPr lang="ru-RU" dirty="0"/>
-              <a:t>Стрельба танков</a:t>
+        <p:spPr>
+          <a:xfrm>
+            <a:off x="838200" y="365125"/>
+            <a:ext cx="10515600" cy="753461"/>
+          </a:xfrm>
+        </p:spPr>
+        <p:txBody>
+          <a:bodyPr/>
+          <a:lstStyle/>
+          <a:p>
+            <a:r>
+              <a:rPr lang="ru-RU" dirty="0"/>
+              <a:t>Уровень игры</a:t>
             </a:r>
             <a:endParaRPr lang="en-US" dirty="0"/>
           </a:p>
         </p:txBody>
       </p:sp>
-      <p:sp>
-        <p:nvSpPr>
-          <p:cNvPr id="3" name="Объект 2">
-            <a:extLst>
-              <a:ext uri="{FF2B5EF4-FFF2-40B4-BE49-F238E27FC236}">
-                <a16:creationId xmlns:a16="http://schemas.microsoft.com/office/drawing/2014/main" id="{8F91B5A8-2699-ECA9-949E-259C35DF5980}"/>
-              </a:ext>
-            </a:extLst>
-          </p:cNvPr>
-          <p:cNvSpPr>
-            <a:spLocks noGrp="1"/>
-          </p:cNvSpPr>
+      <p:pic>
+        <p:nvPicPr>
+          <p:cNvPr id="5" name="Объект 4">
+            <a:extLst>
+              <a:ext uri="{FF2B5EF4-FFF2-40B4-BE49-F238E27FC236}">
+                <a16:creationId xmlns:a16="http://schemas.microsoft.com/office/drawing/2014/main" id="{2C882770-50AD-9087-436D-8AFC2EEA8E50}"/>
+              </a:ext>
+            </a:extLst>
+          </p:cNvPr>
+          <p:cNvPicPr>
+            <a:picLocks noGrp="1" noChangeAspect="1"/>
+          </p:cNvPicPr>
           <p:nvPr>
             <p:ph idx="1"/>
           </p:nvPr>
-        </p:nvSpPr>
-        <p:spPr/>
-        <p:txBody>
-          <a:bodyPr/>
-          <a:lstStyle/>
-          <a:p>
-            <a:r>
-              <a:rPr lang="ru-RU" dirty="0"/>
-              <a:t>2 танка имеют одну абсциссу или ординату (+- 24</a:t>
-            </a:r>
-            <a:r>
-              <a:rPr lang="en-US" dirty="0" err="1"/>
-              <a:t>px</a:t>
-            </a:r>
-            <a:r>
-              <a:rPr lang="en-US" dirty="0"/>
-              <a:t>)</a:t>
-            </a:r>
-            <a:r>
-              <a:rPr lang="ru-RU" dirty="0"/>
-              <a:t> и между ними нет кирпичей</a:t>
-            </a:r>
-          </a:p>
-          <a:p>
-            <a:r>
-              <a:rPr lang="ru-RU" dirty="0"/>
-              <a:t>В зависимости от того, как повернуты танки, выстрел совершает игрок, находящийся в наиболее выгодном положении</a:t>
-            </a:r>
-          </a:p>
-          <a:p>
-            <a:r>
-              <a:rPr lang="ru-RU" dirty="0"/>
-              <a:t>Каждый танк имеет 40 снарядов. Когда они исчерпаны, происходит перезарядка, длящаяся 300 итераций</a:t>
-            </a:r>
-          </a:p>
-        </p:txBody>
-      </p:sp>
+        </p:nvPicPr>
+        <p:blipFill>
+          <a:blip r:embed="rId2">
+            <a:extLst>
+              <a:ext uri="{28A0092B-C50C-407E-A947-70E740481C1C}">
+                <a14:useLocalDpi xmlns:a14="http://schemas.microsoft.com/office/drawing/2010/main" val="0"/>
+              </a:ext>
+            </a:extLst>
+          </a:blip>
+          <a:stretch>
+            <a:fillRect/>
+          </a:stretch>
+        </p:blipFill>
+        <p:spPr>
+          <a:xfrm>
+            <a:off x="838200" y="1300069"/>
+            <a:ext cx="4967796" cy="5442977"/>
+          </a:xfrm>
+        </p:spPr>
+      </p:pic>
     </p:spTree>
     <p:extLst>
       <p:ext uri="{BB962C8B-B14F-4D97-AF65-F5344CB8AC3E}">
-        <p14:creationId xmlns:p14="http://schemas.microsoft.com/office/powerpoint/2010/main" val="3806755361"/>
+        <p14:creationId xmlns:p14="http://schemas.microsoft.com/office/powerpoint/2010/main" val="3782761661"/>
       </p:ext>
     </p:extLst>
   </p:cSld>
@@ -4673,7 +4932,7 @@
           <p:cNvPr id="2" name="Заголовок 1">
             <a:extLst>
               <a:ext uri="{FF2B5EF4-FFF2-40B4-BE49-F238E27FC236}">
-                <a16:creationId xmlns:a16="http://schemas.microsoft.com/office/drawing/2014/main" id="{3FB8F804-3709-E6F0-631E-530A8E0D3FBD}"/>
+                <a16:creationId xmlns:a16="http://schemas.microsoft.com/office/drawing/2014/main" id="{E5D79B62-71D6-7868-84A1-D5F0A0E3EBDD}"/>
               </a:ext>
             </a:extLst>
           </p:cNvPr>
@@ -4691,51 +4950,82 @@
           <a:p>
             <a:r>
               <a:rPr lang="ru-RU" dirty="0"/>
-              <a:t>Стрельба</a:t>
+              <a:t>Алгоритм стрельбы</a:t>
             </a:r>
             <a:endParaRPr lang="en-US" dirty="0"/>
           </a:p>
         </p:txBody>
       </p:sp>
-      <p:pic>
-        <p:nvPicPr>
-          <p:cNvPr id="5" name="Объект 4">
-            <a:extLst>
-              <a:ext uri="{FF2B5EF4-FFF2-40B4-BE49-F238E27FC236}">
-                <a16:creationId xmlns:a16="http://schemas.microsoft.com/office/drawing/2014/main" id="{7DEC8192-0839-E7AF-EA4A-6AA485CCA981}"/>
-              </a:ext>
-            </a:extLst>
-          </p:cNvPr>
-          <p:cNvPicPr>
-            <a:picLocks noGrp="1" noChangeAspect="1"/>
-          </p:cNvPicPr>
+      <p:sp>
+        <p:nvSpPr>
+          <p:cNvPr id="3" name="Объект 2">
+            <a:extLst>
+              <a:ext uri="{FF2B5EF4-FFF2-40B4-BE49-F238E27FC236}">
+                <a16:creationId xmlns:a16="http://schemas.microsoft.com/office/drawing/2014/main" id="{8F91B5A8-2699-ECA9-949E-259C35DF5980}"/>
+              </a:ext>
+            </a:extLst>
+          </p:cNvPr>
+          <p:cNvSpPr>
+            <a:spLocks noGrp="1"/>
+          </p:cNvSpPr>
           <p:nvPr>
             <p:ph idx="1"/>
           </p:nvPr>
-        </p:nvPicPr>
-        <p:blipFill>
-          <a:blip r:embed="rId2">
-            <a:extLst>
-              <a:ext uri="{28A0092B-C50C-407E-A947-70E740481C1C}">
-                <a14:useLocalDpi xmlns:a14="http://schemas.microsoft.com/office/drawing/2010/main" val="0"/>
-              </a:ext>
-            </a:extLst>
-          </a:blip>
-          <a:stretch>
-            <a:fillRect/>
-          </a:stretch>
-        </p:blipFill>
-        <p:spPr>
-          <a:xfrm>
-            <a:off x="838200" y="2529311"/>
-            <a:ext cx="9077325" cy="3476625"/>
-          </a:xfrm>
-        </p:spPr>
-      </p:pic>
+        </p:nvSpPr>
+        <p:spPr/>
+        <p:txBody>
+          <a:bodyPr/>
+          <a:lstStyle/>
+          <a:p>
+            <a:r>
+              <a:rPr lang="ru-RU" dirty="0"/>
+              <a:t>2 танка имеют одну абсциссу или ординату (+- 24</a:t>
+            </a:r>
+            <a:r>
+              <a:rPr lang="en-US" dirty="0" err="1"/>
+              <a:t>px</a:t>
+            </a:r>
+            <a:r>
+              <a:rPr lang="en-US" dirty="0"/>
+              <a:t>)</a:t>
+            </a:r>
+            <a:r>
+              <a:rPr lang="ru-RU" dirty="0"/>
+              <a:t> и между ними нет кирпичей</a:t>
+            </a:r>
+          </a:p>
+          <a:p>
+            <a:r>
+              <a:rPr lang="ru-RU" dirty="0"/>
+              <a:t>В зависимости от того, как повернуты танки, выстрел совершает игрок, находящийся в наиболее выгодном положении</a:t>
+            </a:r>
+          </a:p>
+          <a:p>
+            <a:r>
+              <a:rPr lang="ru-RU" dirty="0"/>
+              <a:t>Каждый обычный танк имеет 50 снарядов</a:t>
+            </a:r>
+            <a:r>
+              <a:rPr lang="en-US" dirty="0"/>
+              <a:t>, </a:t>
+            </a:r>
+            <a:r>
+              <a:rPr lang="ru-RU" dirty="0"/>
+              <a:t>сильный - 400. Когда они исчерпаны, происходит перезарядка, длящаяся 300 итераций</a:t>
+            </a:r>
+          </a:p>
+          <a:p>
+            <a:r>
+              <a:rPr lang="ru-RU" dirty="0"/>
+              <a:t>После выстрела на поле отображается линия, соединяющая центры взаимодействовавших танков</a:t>
+            </a:r>
+          </a:p>
+        </p:txBody>
+      </p:sp>
     </p:spTree>
     <p:extLst>
       <p:ext uri="{BB962C8B-B14F-4D97-AF65-F5344CB8AC3E}">
-        <p14:creationId xmlns:p14="http://schemas.microsoft.com/office/powerpoint/2010/main" val="3136934949"/>
+        <p14:creationId xmlns:p14="http://schemas.microsoft.com/office/powerpoint/2010/main" val="3806755361"/>
       </p:ext>
     </p:extLst>
   </p:cSld>
@@ -4767,7 +5057,7 @@
           <p:cNvPr id="2" name="Заголовок 1">
             <a:extLst>
               <a:ext uri="{FF2B5EF4-FFF2-40B4-BE49-F238E27FC236}">
-                <a16:creationId xmlns:a16="http://schemas.microsoft.com/office/drawing/2014/main" id="{A80A8104-DBA7-8C84-457C-BCB2261EB842}"/>
+                <a16:creationId xmlns:a16="http://schemas.microsoft.com/office/drawing/2014/main" id="{3FB8F804-3709-E6F0-631E-530A8E0D3FBD}"/>
               </a:ext>
             </a:extLst>
           </p:cNvPr>
@@ -4785,103 +5075,51 @@
           <a:p>
             <a:r>
               <a:rPr lang="ru-RU" dirty="0"/>
-              <a:t>Движение танков</a:t>
+              <a:t>Стрельба</a:t>
             </a:r>
             <a:endParaRPr lang="en-US" dirty="0"/>
           </a:p>
         </p:txBody>
       </p:sp>
-      <p:sp>
-        <p:nvSpPr>
-          <p:cNvPr id="3" name="Объект 2">
-            <a:extLst>
-              <a:ext uri="{FF2B5EF4-FFF2-40B4-BE49-F238E27FC236}">
-                <a16:creationId xmlns:a16="http://schemas.microsoft.com/office/drawing/2014/main" id="{1A22167B-B2A1-57BA-DA30-29FBC7258406}"/>
-              </a:ext>
-            </a:extLst>
-          </p:cNvPr>
-          <p:cNvSpPr>
-            <a:spLocks noGrp="1"/>
-          </p:cNvSpPr>
+      <p:pic>
+        <p:nvPicPr>
+          <p:cNvPr id="5" name="Объект 4">
+            <a:extLst>
+              <a:ext uri="{FF2B5EF4-FFF2-40B4-BE49-F238E27FC236}">
+                <a16:creationId xmlns:a16="http://schemas.microsoft.com/office/drawing/2014/main" id="{7DEC8192-0839-E7AF-EA4A-6AA485CCA981}"/>
+              </a:ext>
+            </a:extLst>
+          </p:cNvPr>
+          <p:cNvPicPr>
+            <a:picLocks noGrp="1" noChangeAspect="1"/>
+          </p:cNvPicPr>
           <p:nvPr>
             <p:ph idx="1"/>
           </p:nvPr>
-        </p:nvSpPr>
-        <p:spPr/>
-        <p:txBody>
-          <a:bodyPr/>
-          <a:lstStyle/>
-          <a:p>
-            <a:r>
-              <a:rPr lang="ru-RU" dirty="0"/>
-              <a:t>Обычные танки поворачивают при столкновении с блоками, стреляют с вероятностью 50</a:t>
-            </a:r>
-            <a:r>
-              <a:rPr lang="en-US" dirty="0"/>
-              <a:t>% </a:t>
-            </a:r>
-            <a:r>
-              <a:rPr lang="ru-RU" dirty="0"/>
-              <a:t>в кирпичи</a:t>
-            </a:r>
-          </a:p>
-          <a:p>
-            <a:r>
-              <a:rPr lang="ru-RU" dirty="0"/>
-              <a:t>Сильные танки простреливают все кирпичи, встречающиеся на пути</a:t>
-            </a:r>
-          </a:p>
-          <a:p>
-            <a:r>
-              <a:rPr lang="ru-RU" dirty="0"/>
-              <a:t>Скорость 5</a:t>
-            </a:r>
-            <a:r>
-              <a:rPr lang="en-US" dirty="0" err="1"/>
-              <a:t>px</a:t>
-            </a:r>
-            <a:r>
-              <a:rPr lang="en-US" dirty="0"/>
-              <a:t>/</a:t>
-            </a:r>
-            <a:r>
-              <a:rPr lang="ru-RU" dirty="0"/>
-              <a:t>итерация</a:t>
-            </a:r>
-          </a:p>
-          <a:p>
-            <a:r>
-              <a:rPr lang="ru-RU" dirty="0"/>
-              <a:t>В случае, если 2 сильных танка выстрелили друг в друга и ни один танк не был повержен, они разъезжаются в разные стороны</a:t>
-            </a:r>
-          </a:p>
-          <a:p>
-            <a:r>
-              <a:rPr lang="ru-RU" dirty="0"/>
-              <a:t>Просчет столкновения танка с блоком или другим танком осуществляется за 1 шаг (5</a:t>
-            </a:r>
-            <a:r>
-              <a:rPr lang="en-US" dirty="0" err="1"/>
-              <a:t>px</a:t>
-            </a:r>
-            <a:r>
-              <a:rPr lang="en-US" dirty="0"/>
-              <a:t>) </a:t>
-            </a:r>
-            <a:r>
-              <a:rPr lang="ru-RU" dirty="0"/>
-              <a:t>от него</a:t>
-            </a:r>
-          </a:p>
-          <a:p>
-            <a:endParaRPr lang="en-US" dirty="0"/>
-          </a:p>
-        </p:txBody>
-      </p:sp>
+        </p:nvPicPr>
+        <p:blipFill>
+          <a:blip r:embed="rId2">
+            <a:extLst>
+              <a:ext uri="{28A0092B-C50C-407E-A947-70E740481C1C}">
+                <a14:useLocalDpi xmlns:a14="http://schemas.microsoft.com/office/drawing/2010/main" val="0"/>
+              </a:ext>
+            </a:extLst>
+          </a:blip>
+          <a:stretch>
+            <a:fillRect/>
+          </a:stretch>
+        </p:blipFill>
+        <p:spPr>
+          <a:xfrm>
+            <a:off x="838200" y="2529311"/>
+            <a:ext cx="9077325" cy="3476625"/>
+          </a:xfrm>
+        </p:spPr>
+      </p:pic>
     </p:spTree>
     <p:extLst>
       <p:ext uri="{BB962C8B-B14F-4D97-AF65-F5344CB8AC3E}">
-        <p14:creationId xmlns:p14="http://schemas.microsoft.com/office/powerpoint/2010/main" val="1379175048"/>
+        <p14:creationId xmlns:p14="http://schemas.microsoft.com/office/powerpoint/2010/main" val="3136934949"/>
       </p:ext>
     </p:extLst>
   </p:cSld>
@@ -4913,7 +5151,7 @@
           <p:cNvPr id="2" name="Заголовок 1">
             <a:extLst>
               <a:ext uri="{FF2B5EF4-FFF2-40B4-BE49-F238E27FC236}">
-                <a16:creationId xmlns:a16="http://schemas.microsoft.com/office/drawing/2014/main" id="{3FD458F7-FCA2-4E6C-8609-8B7FEB0DB547}"/>
+                <a16:creationId xmlns:a16="http://schemas.microsoft.com/office/drawing/2014/main" id="{A80A8104-DBA7-8C84-457C-BCB2261EB842}"/>
               </a:ext>
             </a:extLst>
           </p:cNvPr>
@@ -4924,12 +5162,7 @@
             <p:ph type="title"/>
           </p:nvPr>
         </p:nvSpPr>
-        <p:spPr>
-          <a:xfrm>
-            <a:off x="838200" y="249717"/>
-            <a:ext cx="6991905" cy="1002036"/>
-          </a:xfrm>
-        </p:spPr>
+        <p:spPr/>
         <p:txBody>
           <a:bodyPr/>
           <a:lstStyle/>
@@ -4942,45 +5175,97 @@
           </a:p>
         </p:txBody>
       </p:sp>
-      <p:pic>
-        <p:nvPicPr>
-          <p:cNvPr id="5" name="Объект 4">
-            <a:extLst>
-              <a:ext uri="{FF2B5EF4-FFF2-40B4-BE49-F238E27FC236}">
-                <a16:creationId xmlns:a16="http://schemas.microsoft.com/office/drawing/2014/main" id="{CD2B8CD9-42D2-47CF-3ACA-CB7376ED9012}"/>
-              </a:ext>
-            </a:extLst>
-          </p:cNvPr>
-          <p:cNvPicPr>
-            <a:picLocks noGrp="1" noChangeAspect="1"/>
-          </p:cNvPicPr>
+      <p:sp>
+        <p:nvSpPr>
+          <p:cNvPr id="3" name="Объект 2">
+            <a:extLst>
+              <a:ext uri="{FF2B5EF4-FFF2-40B4-BE49-F238E27FC236}">
+                <a16:creationId xmlns:a16="http://schemas.microsoft.com/office/drawing/2014/main" id="{1A22167B-B2A1-57BA-DA30-29FBC7258406}"/>
+              </a:ext>
+            </a:extLst>
+          </p:cNvPr>
+          <p:cNvSpPr>
+            <a:spLocks noGrp="1"/>
+          </p:cNvSpPr>
           <p:nvPr>
             <p:ph idx="1"/>
           </p:nvPr>
-        </p:nvPicPr>
-        <p:blipFill>
-          <a:blip r:embed="rId2">
-            <a:extLst>
-              <a:ext uri="{28A0092B-C50C-407E-A947-70E740481C1C}">
-                <a14:useLocalDpi xmlns:a14="http://schemas.microsoft.com/office/drawing/2010/main" val="0"/>
-              </a:ext>
-            </a:extLst>
-          </a:blip>
-          <a:stretch>
-            <a:fillRect/>
-          </a:stretch>
-        </p:blipFill>
-        <p:spPr>
-          <a:xfrm>
-            <a:off x="838200" y="1594128"/>
-            <a:ext cx="6173602" cy="5014155"/>
-          </a:xfrm>
-        </p:spPr>
-      </p:pic>
+        </p:nvSpPr>
+        <p:spPr/>
+        <p:txBody>
+          <a:bodyPr/>
+          <a:lstStyle/>
+          <a:p>
+            <a:r>
+              <a:rPr lang="ru-RU" dirty="0"/>
+              <a:t>Обычные танки поворачивают при столкновении с блоками, стреляют с вероятностью 50</a:t>
+            </a:r>
+            <a:r>
+              <a:rPr lang="en-US" dirty="0"/>
+              <a:t>% </a:t>
+            </a:r>
+            <a:r>
+              <a:rPr lang="ru-RU" dirty="0"/>
+              <a:t>в кирпичи</a:t>
+            </a:r>
+          </a:p>
+          <a:p>
+            <a:r>
+              <a:rPr lang="ru-RU" dirty="0"/>
+              <a:t>Сильные танки простреливают все кирпичи, встречающиеся на пути</a:t>
+            </a:r>
+          </a:p>
+          <a:p>
+            <a:r>
+              <a:rPr lang="ru-RU" dirty="0"/>
+              <a:t>Скорость 5</a:t>
+            </a:r>
+            <a:r>
+              <a:rPr lang="en-US" dirty="0" err="1"/>
+              <a:t>px</a:t>
+            </a:r>
+            <a:r>
+              <a:rPr lang="en-US" dirty="0"/>
+              <a:t>/</a:t>
+            </a:r>
+            <a:r>
+              <a:rPr lang="ru-RU" dirty="0"/>
+              <a:t>итерация</a:t>
+            </a:r>
+          </a:p>
+          <a:p>
+            <a:r>
+              <a:rPr lang="ru-RU" dirty="0"/>
+              <a:t>В случае, если 2 сильных танка выстрелили друг в друга и ни один танк не был повержен, они разъезжаются в разные стороны</a:t>
+            </a:r>
+          </a:p>
+          <a:p>
+            <a:r>
+              <a:rPr lang="ru-RU" dirty="0"/>
+              <a:t>Просчет столкновения танка с блоком или другим танком осуществляется за 1 шаг (5</a:t>
+            </a:r>
+            <a:r>
+              <a:rPr lang="en-US" dirty="0" err="1"/>
+              <a:t>px</a:t>
+            </a:r>
+            <a:r>
+              <a:rPr lang="en-US" dirty="0"/>
+              <a:t>) </a:t>
+            </a:r>
+            <a:r>
+              <a:rPr lang="ru-RU" dirty="0"/>
+              <a:t>от него</a:t>
+            </a:r>
+          </a:p>
+          <a:p>
+            <a:endParaRPr lang="en-US" dirty="0"/>
+          </a:p>
+        </p:txBody>
+      </p:sp>
     </p:spTree>
     <p:extLst>
       <p:ext uri="{BB962C8B-B14F-4D97-AF65-F5344CB8AC3E}">
-        <p14:creationId xmlns:p14="http://schemas.microsoft.com/office/powerpoint/2010/main" val="2837568768"/>
+        <p14:creationId xmlns:p14="http://schemas.microsoft.com/office/powerpoint/2010/main" val="1379175048"/>
       </p:ext>
     </p:extLst>
   </p:cSld>
